--- a/CalendarioAgo24/Presentaciones/7_Capa_fisica.pptx
+++ b/CalendarioAgo24/Presentaciones/7_Capa_fisica.pptx
@@ -219,7 +219,7 @@
           <a:p>
             <a:fld id="{2D445F07-8756-451B-A938-0248325FC7BB}" type="datetimeFigureOut">
               <a:rPr lang="es-MX" smtClean="0"/>
-              <a:t>14/02/2024</a:t>
+              <a:t>30/10/2024</a:t>
             </a:fld>
             <a:endParaRPr lang="es-MX" dirty="0"/>
           </a:p>
@@ -2091,7 +2091,7 @@
           <a:p>
             <a:fld id="{5E75A0DC-66C6-4CEC-A5EB-F8C97CEC3796}" type="datetimeFigureOut">
               <a:rPr lang="es-MX" smtClean="0"/>
-              <a:t>14/02/2024</a:t>
+              <a:t>30/10/2024</a:t>
             </a:fld>
             <a:endParaRPr lang="es-MX" dirty="0"/>
           </a:p>
@@ -2261,7 +2261,7 @@
           <a:p>
             <a:fld id="{5E75A0DC-66C6-4CEC-A5EB-F8C97CEC3796}" type="datetimeFigureOut">
               <a:rPr lang="es-MX" smtClean="0"/>
-              <a:t>14/02/2024</a:t>
+              <a:t>30/10/2024</a:t>
             </a:fld>
             <a:endParaRPr lang="es-MX" dirty="0"/>
           </a:p>
@@ -2441,7 +2441,7 @@
           <a:p>
             <a:fld id="{5E75A0DC-66C6-4CEC-A5EB-F8C97CEC3796}" type="datetimeFigureOut">
               <a:rPr lang="es-MX" smtClean="0"/>
-              <a:t>14/02/2024</a:t>
+              <a:t>30/10/2024</a:t>
             </a:fld>
             <a:endParaRPr lang="es-MX" dirty="0"/>
           </a:p>
@@ -2611,7 +2611,7 @@
           <a:p>
             <a:fld id="{5E75A0DC-66C6-4CEC-A5EB-F8C97CEC3796}" type="datetimeFigureOut">
               <a:rPr lang="es-MX" smtClean="0"/>
-              <a:t>14/02/2024</a:t>
+              <a:t>30/10/2024</a:t>
             </a:fld>
             <a:endParaRPr lang="es-MX" dirty="0"/>
           </a:p>
@@ -2857,7 +2857,7 @@
           <a:p>
             <a:fld id="{5E75A0DC-66C6-4CEC-A5EB-F8C97CEC3796}" type="datetimeFigureOut">
               <a:rPr lang="es-MX" smtClean="0"/>
-              <a:t>14/02/2024</a:t>
+              <a:t>30/10/2024</a:t>
             </a:fld>
             <a:endParaRPr lang="es-MX" dirty="0"/>
           </a:p>
@@ -3145,7 +3145,7 @@
           <a:p>
             <a:fld id="{5E75A0DC-66C6-4CEC-A5EB-F8C97CEC3796}" type="datetimeFigureOut">
               <a:rPr lang="es-MX" smtClean="0"/>
-              <a:t>14/02/2024</a:t>
+              <a:t>30/10/2024</a:t>
             </a:fld>
             <a:endParaRPr lang="es-MX" dirty="0"/>
           </a:p>
@@ -3567,7 +3567,7 @@
           <a:p>
             <a:fld id="{5E75A0DC-66C6-4CEC-A5EB-F8C97CEC3796}" type="datetimeFigureOut">
               <a:rPr lang="es-MX" smtClean="0"/>
-              <a:t>14/02/2024</a:t>
+              <a:t>30/10/2024</a:t>
             </a:fld>
             <a:endParaRPr lang="es-MX" dirty="0"/>
           </a:p>
@@ -3685,7 +3685,7 @@
           <a:p>
             <a:fld id="{5E75A0DC-66C6-4CEC-A5EB-F8C97CEC3796}" type="datetimeFigureOut">
               <a:rPr lang="es-MX" smtClean="0"/>
-              <a:t>14/02/2024</a:t>
+              <a:t>30/10/2024</a:t>
             </a:fld>
             <a:endParaRPr lang="es-MX" dirty="0"/>
           </a:p>
@@ -3780,7 +3780,7 @@
           <a:p>
             <a:fld id="{5E75A0DC-66C6-4CEC-A5EB-F8C97CEC3796}" type="datetimeFigureOut">
               <a:rPr lang="es-MX" smtClean="0"/>
-              <a:t>14/02/2024</a:t>
+              <a:t>30/10/2024</a:t>
             </a:fld>
             <a:endParaRPr lang="es-MX" dirty="0"/>
           </a:p>
@@ -4057,7 +4057,7 @@
           <a:p>
             <a:fld id="{5E75A0DC-66C6-4CEC-A5EB-F8C97CEC3796}" type="datetimeFigureOut">
               <a:rPr lang="es-MX" smtClean="0"/>
-              <a:t>14/02/2024</a:t>
+              <a:t>30/10/2024</a:t>
             </a:fld>
             <a:endParaRPr lang="es-MX" dirty="0"/>
           </a:p>
@@ -4310,7 +4310,7 @@
           <a:p>
             <a:fld id="{5E75A0DC-66C6-4CEC-A5EB-F8C97CEC3796}" type="datetimeFigureOut">
               <a:rPr lang="es-MX" smtClean="0"/>
-              <a:t>14/02/2024</a:t>
+              <a:t>30/10/2024</a:t>
             </a:fld>
             <a:endParaRPr lang="es-MX" dirty="0"/>
           </a:p>
@@ -4523,7 +4523,7 @@
           <a:p>
             <a:fld id="{5E75A0DC-66C6-4CEC-A5EB-F8C97CEC3796}" type="datetimeFigureOut">
               <a:rPr lang="es-MX" smtClean="0"/>
-              <a:t>14/02/2024</a:t>
+              <a:t>30/10/2024</a:t>
             </a:fld>
             <a:endParaRPr lang="es-MX" dirty="0"/>
           </a:p>
@@ -9466,7 +9466,7 @@
               <a:t>La capa física es responsable de p</a:t>
             </a:r>
             <a:r>
-              <a:rPr b="1" spc="-45" dirty="0" err="1">
+              <a:rPr lang="es-MX" b="1" spc="-45" dirty="0">
                 <a:solidFill>
                   <a:schemeClr val="accent5">
                     <a:lumMod val="75000"/>
@@ -9478,7 +9478,7 @@
               <a:t>r</a:t>
             </a:r>
             <a:r>
-              <a:rPr b="1" spc="-11" dirty="0" err="1">
+              <a:rPr lang="es-MX" b="1" spc="-11" dirty="0">
                 <a:solidFill>
                   <a:schemeClr val="accent5">
                     <a:lumMod val="75000"/>
@@ -9490,7 +9490,7 @@
               <a:t>epa</a:t>
             </a:r>
             <a:r>
-              <a:rPr b="1" spc="-60" dirty="0" err="1">
+              <a:rPr lang="es-MX" b="1" spc="-60" dirty="0">
                 <a:solidFill>
                   <a:schemeClr val="accent5">
                     <a:lumMod val="75000"/>
@@ -9502,7 +9502,7 @@
               <a:t>r</a:t>
             </a:r>
             <a:r>
-              <a:rPr b="1" spc="-11" dirty="0" err="1">
+              <a:rPr lang="es-MX" b="1" spc="-11" dirty="0">
                 <a:solidFill>
                   <a:schemeClr val="accent5">
                     <a:lumMod val="75000"/>
@@ -9562,7 +9562,7 @@
               <a:t>f</a:t>
             </a:r>
             <a:r>
-              <a:rPr b="1" spc="-45" dirty="0" err="1">
+              <a:rPr lang="es-MX" b="1" spc="-45" dirty="0">
                 <a:solidFill>
                   <a:schemeClr val="accent5">
                     <a:lumMod val="75000"/>
@@ -9574,7 +9574,7 @@
               <a:t>r</a:t>
             </a:r>
             <a:r>
-              <a:rPr b="1" spc="-15" dirty="0" err="1">
+              <a:rPr lang="es-MX" b="1" spc="-15" dirty="0">
                 <a:solidFill>
                   <a:schemeClr val="accent5">
                     <a:lumMod val="75000"/>
@@ -9970,7 +9970,7 @@
               <a:t> </a:t>
             </a:r>
             <a:r>
-              <a:rPr b="1" spc="-4" dirty="0" err="1">
+              <a:rPr lang="es-MX" b="1" spc="-4" dirty="0">
                 <a:solidFill>
                   <a:schemeClr val="accent5">
                     <a:lumMod val="75000"/>
@@ -9982,7 +9982,7 @@
               <a:t>f</a:t>
             </a:r>
             <a:r>
-              <a:rPr b="1" spc="-8" dirty="0" err="1">
+              <a:rPr lang="es-MX" b="1" spc="-8" dirty="0">
                 <a:solidFill>
                   <a:schemeClr val="accent5">
                     <a:lumMod val="75000"/>
@@ -9994,7 +9994,7 @@
               <a:t>í</a:t>
             </a:r>
             <a:r>
-              <a:rPr b="1" spc="-4" dirty="0" err="1">
+              <a:rPr lang="es-MX" b="1" spc="-4" dirty="0">
                 <a:solidFill>
                   <a:schemeClr val="accent5">
                     <a:lumMod val="75000"/>
@@ -10006,7 +10006,7 @@
               <a:t>s</a:t>
             </a:r>
             <a:r>
-              <a:rPr b="1" spc="-8" dirty="0" err="1">
+              <a:rPr lang="es-MX" b="1" spc="-8" dirty="0">
                 <a:solidFill>
                   <a:schemeClr val="accent5">
                     <a:lumMod val="75000"/>
@@ -10018,7 +10018,7 @@
               <a:t>i</a:t>
             </a:r>
             <a:r>
-              <a:rPr b="1" spc="-26" dirty="0" err="1">
+              <a:rPr lang="es-MX" b="1" spc="-26" dirty="0">
                 <a:solidFill>
                   <a:schemeClr val="accent5">
                     <a:lumMod val="75000"/>
@@ -10030,7 +10030,7 @@
               <a:t>c</a:t>
             </a:r>
             <a:r>
-              <a:rPr b="1" spc="-4" dirty="0" err="1">
+              <a:rPr lang="es-MX" b="1" spc="-4" dirty="0">
                 <a:solidFill>
                   <a:schemeClr val="accent5">
                     <a:lumMod val="75000"/>
